--- a/PythonWEBProject/ВЕБ сайт.pptx
+++ b/PythonWEBProject/ВЕБ сайт.pptx
@@ -2,13 +2,15 @@
 <file path=ppt/presentation.xml><?xml version="1.0" encoding="utf-8"?>
 <p:presentation xmlns:a="http://schemas.openxmlformats.org/drawingml/2006/main" xmlns:r="http://schemas.openxmlformats.org/officeDocument/2006/relationships" xmlns:p="http://schemas.openxmlformats.org/presentationml/2006/main" saveSubsetFonts="1">
   <p:sldMasterIdLst>
-    <p:sldMasterId id="2147483660" r:id="rId1"/>
+    <p:sldMasterId id="2147483677" r:id="rId1"/>
   </p:sldMasterIdLst>
   <p:sldIdLst>
     <p:sldId id="256" r:id="rId2"/>
     <p:sldId id="257" r:id="rId3"/>
     <p:sldId id="258" r:id="rId4"/>
-    <p:sldId id="259" r:id="rId5"/>
+    <p:sldId id="260" r:id="rId5"/>
+    <p:sldId id="259" r:id="rId6"/>
+    <p:sldId id="261" r:id="rId7"/>
   </p:sldIdLst>
   <p:sldSz cx="12192000" cy="6858000"/>
   <p:notesSz cx="6858000" cy="9144000"/>
@@ -129,7 +131,7 @@
       </p:grpSpPr>
       <p:grpSp>
         <p:nvGrpSpPr>
-          <p:cNvPr id="7" name="Group 6"/>
+          <p:cNvPr id="8" name="Group 7"/>
           <p:cNvGrpSpPr/>
           <p:nvPr/>
         </p:nvGrpSpPr>
@@ -158,7 +160,8 @@
             <a:ln w="9525">
               <a:solidFill>
                 <a:schemeClr val="bg1">
-                  <a:lumMod val="75000"/>
+                  <a:lumMod val="85000"/>
+                  <a:lumOff val="15000"/>
                 </a:schemeClr>
               </a:solidFill>
             </a:ln>
@@ -196,6 +199,7 @@
               <a:solidFill>
                 <a:schemeClr val="bg1">
                   <a:lumMod val="85000"/>
+                  <a:lumOff val="15000"/>
                 </a:schemeClr>
               </a:solidFill>
             </a:ln>
@@ -883,7 +887,7 @@
     </p:spTree>
     <p:extLst>
       <p:ext uri="{BB962C8B-B14F-4D97-AF65-F5344CB8AC3E}">
-        <p14:creationId xmlns:p14="http://schemas.microsoft.com/office/powerpoint/2010/main" val="4202207316"/>
+        <p14:creationId xmlns:p14="http://schemas.microsoft.com/office/powerpoint/2010/main" val="1521828114"/>
       </p:ext>
     </p:extLst>
   </p:cSld>
@@ -1134,7 +1138,7 @@
     </p:spTree>
     <p:extLst>
       <p:ext uri="{BB962C8B-B14F-4D97-AF65-F5344CB8AC3E}">
-        <p14:creationId xmlns:p14="http://schemas.microsoft.com/office/powerpoint/2010/main" val="842394842"/>
+        <p14:creationId xmlns:p14="http://schemas.microsoft.com/office/powerpoint/2010/main" val="1514169752"/>
       </p:ext>
     </p:extLst>
   </p:cSld>
@@ -1473,10 +1477,7 @@
                   <a:noFill/>
                 </a:ln>
                 <a:solidFill>
-                  <a:schemeClr val="accent1">
-                    <a:lumMod val="60000"/>
-                    <a:lumOff val="40000"/>
-                  </a:schemeClr>
+                  <a:schemeClr val="accent1"/>
                 </a:solidFill>
                 <a:effectLst/>
                 <a:latin typeface="Arial"/>
@@ -1514,31 +1515,20 @@
                   <a:noFill/>
                 </a:ln>
                 <a:solidFill>
-                  <a:schemeClr val="accent1">
-                    <a:lumMod val="60000"/>
-                    <a:lumOff val="40000"/>
-                  </a:schemeClr>
-                </a:solidFill>
+                  <a:schemeClr val="accent1"/>
+                </a:solidFill>
+                <a:effectLst/>
                 <a:latin typeface="Arial"/>
               </a:rPr>
               <a:t>”</a:t>
             </a:r>
-            <a:endParaRPr lang="en-US" dirty="0">
-              <a:solidFill>
-                <a:schemeClr val="accent1">
-                  <a:lumMod val="60000"/>
-                  <a:lumOff val="40000"/>
-                </a:schemeClr>
-              </a:solidFill>
-              <a:latin typeface="Arial"/>
-            </a:endParaRPr>
           </a:p>
         </p:txBody>
       </p:sp>
     </p:spTree>
     <p:extLst>
       <p:ext uri="{BB962C8B-B14F-4D97-AF65-F5344CB8AC3E}">
-        <p14:creationId xmlns:p14="http://schemas.microsoft.com/office/powerpoint/2010/main" val="1212013114"/>
+        <p14:creationId xmlns:p14="http://schemas.microsoft.com/office/powerpoint/2010/main" val="932023372"/>
       </p:ext>
     </p:extLst>
   </p:cSld>
@@ -1789,7 +1779,7 @@
     </p:spTree>
     <p:extLst>
       <p:ext uri="{BB962C8B-B14F-4D97-AF65-F5344CB8AC3E}">
-        <p14:creationId xmlns:p14="http://schemas.microsoft.com/office/powerpoint/2010/main" val="383929481"/>
+        <p14:creationId xmlns:p14="http://schemas.microsoft.com/office/powerpoint/2010/main" val="4211459117"/>
       </p:ext>
     </p:extLst>
   </p:cSld>
@@ -2128,10 +2118,7 @@
                   <a:noFill/>
                 </a:ln>
                 <a:solidFill>
-                  <a:schemeClr val="accent1">
-                    <a:lumMod val="60000"/>
-                    <a:lumOff val="40000"/>
-                  </a:schemeClr>
+                  <a:schemeClr val="accent1"/>
                 </a:solidFill>
                 <a:effectLst/>
                 <a:latin typeface="Arial"/>
@@ -2169,10 +2156,7 @@
                   <a:noFill/>
                 </a:ln>
                 <a:solidFill>
-                  <a:schemeClr val="accent1">
-                    <a:lumMod val="60000"/>
-                    <a:lumOff val="40000"/>
-                  </a:schemeClr>
+                  <a:schemeClr val="accent1"/>
                 </a:solidFill>
                 <a:effectLst/>
                 <a:latin typeface="Arial"/>
@@ -2185,7 +2169,7 @@
     </p:spTree>
     <p:extLst>
       <p:ext uri="{BB962C8B-B14F-4D97-AF65-F5344CB8AC3E}">
-        <p14:creationId xmlns:p14="http://schemas.microsoft.com/office/powerpoint/2010/main" val="3429688753"/>
+        <p14:creationId xmlns:p14="http://schemas.microsoft.com/office/powerpoint/2010/main" val="200223295"/>
       </p:ext>
     </p:extLst>
   </p:cSld>
@@ -2496,7 +2480,7 @@
     </p:spTree>
     <p:extLst>
       <p:ext uri="{BB962C8B-B14F-4D97-AF65-F5344CB8AC3E}">
-        <p14:creationId xmlns:p14="http://schemas.microsoft.com/office/powerpoint/2010/main" val="2829536465"/>
+        <p14:creationId xmlns:p14="http://schemas.microsoft.com/office/powerpoint/2010/main" val="4184267108"/>
       </p:ext>
     </p:extLst>
   </p:cSld>
@@ -2666,7 +2650,7 @@
     </p:spTree>
     <p:extLst>
       <p:ext uri="{BB962C8B-B14F-4D97-AF65-F5344CB8AC3E}">
-        <p14:creationId xmlns:p14="http://schemas.microsoft.com/office/powerpoint/2010/main" val="1738336252"/>
+        <p14:creationId xmlns:p14="http://schemas.microsoft.com/office/powerpoint/2010/main" val="3822927854"/>
       </p:ext>
     </p:extLst>
   </p:cSld>
@@ -2846,7 +2830,7 @@
     </p:spTree>
     <p:extLst>
       <p:ext uri="{BB962C8B-B14F-4D97-AF65-F5344CB8AC3E}">
-        <p14:creationId xmlns:p14="http://schemas.microsoft.com/office/powerpoint/2010/main" val="1175822456"/>
+        <p14:creationId xmlns:p14="http://schemas.microsoft.com/office/powerpoint/2010/main" val="513631747"/>
       </p:ext>
     </p:extLst>
   </p:cSld>
@@ -3022,7 +3006,7 @@
     </p:spTree>
     <p:extLst>
       <p:ext uri="{BB962C8B-B14F-4D97-AF65-F5344CB8AC3E}">
-        <p14:creationId xmlns:p14="http://schemas.microsoft.com/office/powerpoint/2010/main" val="156670546"/>
+        <p14:creationId xmlns:p14="http://schemas.microsoft.com/office/powerpoint/2010/main" val="1968734306"/>
       </p:ext>
     </p:extLst>
   </p:cSld>
@@ -3269,7 +3253,7 @@
     </p:spTree>
     <p:extLst>
       <p:ext uri="{BB962C8B-B14F-4D97-AF65-F5344CB8AC3E}">
-        <p14:creationId xmlns:p14="http://schemas.microsoft.com/office/powerpoint/2010/main" val="3052658201"/>
+        <p14:creationId xmlns:p14="http://schemas.microsoft.com/office/powerpoint/2010/main" val="1936139288"/>
       </p:ext>
     </p:extLst>
   </p:cSld>
@@ -3501,7 +3485,7 @@
     </p:spTree>
     <p:extLst>
       <p:ext uri="{BB962C8B-B14F-4D97-AF65-F5344CB8AC3E}">
-        <p14:creationId xmlns:p14="http://schemas.microsoft.com/office/powerpoint/2010/main" val="2044314736"/>
+        <p14:creationId xmlns:p14="http://schemas.microsoft.com/office/powerpoint/2010/main" val="2563081908"/>
       </p:ext>
     </p:extLst>
   </p:cSld>
@@ -3875,7 +3859,7 @@
     </p:spTree>
     <p:extLst>
       <p:ext uri="{BB962C8B-B14F-4D97-AF65-F5344CB8AC3E}">
-        <p14:creationId xmlns:p14="http://schemas.microsoft.com/office/powerpoint/2010/main" val="3904670053"/>
+        <p14:creationId xmlns:p14="http://schemas.microsoft.com/office/powerpoint/2010/main" val="1238234090"/>
       </p:ext>
     </p:extLst>
   </p:cSld>
@@ -3998,7 +3982,7 @@
     </p:spTree>
     <p:extLst>
       <p:ext uri="{BB962C8B-B14F-4D97-AF65-F5344CB8AC3E}">
-        <p14:creationId xmlns:p14="http://schemas.microsoft.com/office/powerpoint/2010/main" val="2875341665"/>
+        <p14:creationId xmlns:p14="http://schemas.microsoft.com/office/powerpoint/2010/main" val="3477270035"/>
       </p:ext>
     </p:extLst>
   </p:cSld>
@@ -4093,7 +4077,7 @@
     </p:spTree>
     <p:extLst>
       <p:ext uri="{BB962C8B-B14F-4D97-AF65-F5344CB8AC3E}">
-        <p14:creationId xmlns:p14="http://schemas.microsoft.com/office/powerpoint/2010/main" val="2708854889"/>
+        <p14:creationId xmlns:p14="http://schemas.microsoft.com/office/powerpoint/2010/main" val="3304997894"/>
       </p:ext>
     </p:extLst>
   </p:cSld>
@@ -4348,7 +4332,7 @@
     </p:spTree>
     <p:extLst>
       <p:ext uri="{BB962C8B-B14F-4D97-AF65-F5344CB8AC3E}">
-        <p14:creationId xmlns:p14="http://schemas.microsoft.com/office/powerpoint/2010/main" val="1235106652"/>
+        <p14:creationId xmlns:p14="http://schemas.microsoft.com/office/powerpoint/2010/main" val="3392974919"/>
       </p:ext>
     </p:extLst>
   </p:cSld>
@@ -4611,7 +4595,7 @@
     </p:spTree>
     <p:extLst>
       <p:ext uri="{BB962C8B-B14F-4D97-AF65-F5344CB8AC3E}">
-        <p14:creationId xmlns:p14="http://schemas.microsoft.com/office/powerpoint/2010/main" val="2803187797"/>
+        <p14:creationId xmlns:p14="http://schemas.microsoft.com/office/powerpoint/2010/main" val="2172496820"/>
       </p:ext>
     </p:extLst>
   </p:cSld>
@@ -4626,7 +4610,7 @@
   <p:cSld>
     <p:bg>
       <p:bgRef idx="1001">
-        <a:schemeClr val="bg1"/>
+        <a:schemeClr val="bg2"/>
       </p:bgRef>
     </p:bg>
     <p:spTree>
@@ -4645,7 +4629,7 @@
       </p:grpSpPr>
       <p:grpSp>
         <p:nvGrpSpPr>
-          <p:cNvPr id="7" name="Group 6"/>
+          <p:cNvPr id="8" name="Group 7"/>
           <p:cNvGrpSpPr/>
           <p:nvPr/>
         </p:nvGrpSpPr>
@@ -4674,7 +4658,8 @@
             <a:ln w="9525">
               <a:solidFill>
                 <a:schemeClr val="bg1">
-                  <a:lumMod val="75000"/>
+                  <a:lumMod val="85000"/>
+                  <a:lumOff val="15000"/>
                 </a:schemeClr>
               </a:solidFill>
             </a:ln>
@@ -4712,6 +4697,7 @@
               <a:solidFill>
                 <a:schemeClr val="bg1">
                   <a:lumMod val="85000"/>
+                  <a:lumOff val="15000"/>
                 </a:schemeClr>
               </a:solidFill>
             </a:ln>
@@ -5388,28 +5374,28 @@
     </p:spTree>
     <p:extLst>
       <p:ext uri="{BB962C8B-B14F-4D97-AF65-F5344CB8AC3E}">
-        <p14:creationId xmlns:p14="http://schemas.microsoft.com/office/powerpoint/2010/main" val="1861880170"/>
+        <p14:creationId xmlns:p14="http://schemas.microsoft.com/office/powerpoint/2010/main" val="122855907"/>
       </p:ext>
     </p:extLst>
   </p:cSld>
-  <p:clrMap bg1="lt1" tx1="dk1" bg2="lt2" tx2="dk2" accent1="accent1" accent2="accent2" accent3="accent3" accent4="accent4" accent5="accent5" accent6="accent6" hlink="hlink" folHlink="folHlink"/>
+  <p:clrMap bg1="dk1" tx1="lt1" bg2="dk2" tx2="lt2" accent1="accent1" accent2="accent2" accent3="accent3" accent4="accent4" accent5="accent5" accent6="accent6" hlink="hlink" folHlink="folHlink"/>
   <p:sldLayoutIdLst>
-    <p:sldLayoutId id="2147483661" r:id="rId1"/>
-    <p:sldLayoutId id="2147483662" r:id="rId2"/>
-    <p:sldLayoutId id="2147483663" r:id="rId3"/>
-    <p:sldLayoutId id="2147483664" r:id="rId4"/>
-    <p:sldLayoutId id="2147483665" r:id="rId5"/>
-    <p:sldLayoutId id="2147483666" r:id="rId6"/>
-    <p:sldLayoutId id="2147483667" r:id="rId7"/>
-    <p:sldLayoutId id="2147483668" r:id="rId8"/>
-    <p:sldLayoutId id="2147483669" r:id="rId9"/>
-    <p:sldLayoutId id="2147483670" r:id="rId10"/>
-    <p:sldLayoutId id="2147483671" r:id="rId11"/>
-    <p:sldLayoutId id="2147483672" r:id="rId12"/>
-    <p:sldLayoutId id="2147483673" r:id="rId13"/>
-    <p:sldLayoutId id="2147483674" r:id="rId14"/>
-    <p:sldLayoutId id="2147483675" r:id="rId15"/>
-    <p:sldLayoutId id="2147483676" r:id="rId16"/>
+    <p:sldLayoutId id="2147483678" r:id="rId1"/>
+    <p:sldLayoutId id="2147483679" r:id="rId2"/>
+    <p:sldLayoutId id="2147483680" r:id="rId3"/>
+    <p:sldLayoutId id="2147483681" r:id="rId4"/>
+    <p:sldLayoutId id="2147483682" r:id="rId5"/>
+    <p:sldLayoutId id="2147483683" r:id="rId6"/>
+    <p:sldLayoutId id="2147483684" r:id="rId7"/>
+    <p:sldLayoutId id="2147483685" r:id="rId8"/>
+    <p:sldLayoutId id="2147483686" r:id="rId9"/>
+    <p:sldLayoutId id="2147483687" r:id="rId10"/>
+    <p:sldLayoutId id="2147483688" r:id="rId11"/>
+    <p:sldLayoutId id="2147483689" r:id="rId12"/>
+    <p:sldLayoutId id="2147483690" r:id="rId13"/>
+    <p:sldLayoutId id="2147483691" r:id="rId14"/>
+    <p:sldLayoutId id="2147483692" r:id="rId15"/>
+    <p:sldLayoutId id="2147483693" r:id="rId16"/>
   </p:sldLayoutIdLst>
   <p:txStyles>
     <p:titleStyle>
@@ -6168,6 +6154,323 @@
           <p:cNvPr id="2" name="Заголовок 1">
             <a:extLst>
               <a:ext uri="{FF2B5EF4-FFF2-40B4-BE49-F238E27FC236}">
+                <a16:creationId xmlns:a16="http://schemas.microsoft.com/office/drawing/2014/main" id="{B238D801-7473-C207-332A-E4B864E3FA5E}"/>
+              </a:ext>
+            </a:extLst>
+          </p:cNvPr>
+          <p:cNvSpPr>
+            <a:spLocks noGrp="1"/>
+          </p:cNvSpPr>
+          <p:nvPr>
+            <p:ph type="title"/>
+          </p:nvPr>
+        </p:nvSpPr>
+        <p:spPr/>
+        <p:txBody>
+          <a:bodyPr/>
+          <a:lstStyle/>
+          <a:p>
+            <a:r>
+              <a:rPr lang="ru-RU" dirty="0"/>
+              <a:t>Структура</a:t>
+            </a:r>
+          </a:p>
+        </p:txBody>
+      </p:sp>
+      <p:sp>
+        <p:nvSpPr>
+          <p:cNvPr id="10" name="Объект 9">
+            <a:extLst>
+              <a:ext uri="{FF2B5EF4-FFF2-40B4-BE49-F238E27FC236}">
+                <a16:creationId xmlns:a16="http://schemas.microsoft.com/office/drawing/2014/main" id="{2A224A9C-FA3E-6373-58A3-74EE25917E7C}"/>
+              </a:ext>
+            </a:extLst>
+          </p:cNvPr>
+          <p:cNvSpPr>
+            <a:spLocks noGrp="1"/>
+          </p:cNvSpPr>
+          <p:nvPr>
+            <p:ph sz="half" idx="1"/>
+          </p:nvPr>
+        </p:nvSpPr>
+        <p:spPr>
+          <a:xfrm>
+            <a:off x="1094584" y="2160590"/>
+            <a:ext cx="5526131" cy="3880772"/>
+          </a:xfrm>
+        </p:spPr>
+        <p:txBody>
+          <a:bodyPr/>
+          <a:lstStyle/>
+          <a:p>
+            <a:pPr>
+              <a:buFont typeface="Wingdings 3" panose="05040102010807070707" pitchFamily="18" charset="2"/>
+              <a:buChar char="U"/>
+            </a:pPr>
+            <a:r>
+              <a:rPr lang="ru-RU" sz="1400" dirty="0"/>
+              <a:t>В проекте присутствует множество функций для открытия разных частей сайта, такие как:</a:t>
+            </a:r>
+          </a:p>
+          <a:p>
+            <a:pPr lvl="1">
+              <a:buFont typeface="Wingdings 3" panose="05040102010807070707" pitchFamily="18" charset="2"/>
+              <a:buChar char="U"/>
+            </a:pPr>
+            <a:r>
+              <a:rPr lang="en-US" sz="1400" dirty="0"/>
+              <a:t>Login()</a:t>
+            </a:r>
+          </a:p>
+          <a:p>
+            <a:pPr lvl="1">
+              <a:buFont typeface="Wingdings 3" panose="05040102010807070707" pitchFamily="18" charset="2"/>
+              <a:buChar char="U"/>
+            </a:pPr>
+            <a:r>
+              <a:rPr kumimoji="0" lang="ru-RU" altLang="ru-RU" sz="1400" b="0" i="0" u="none" strike="noStrike" cap="none" normalizeH="0" baseline="0" dirty="0" err="1">
+                <a:ln>
+                  <a:noFill/>
+                </a:ln>
+                <a:solidFill>
+                  <a:schemeClr val="tx2"/>
+                </a:solidFill>
+                <a:effectLst/>
+                <a:latin typeface="JetBrains Mono"/>
+              </a:rPr>
+              <a:t>start_window</a:t>
+            </a:r>
+            <a:r>
+              <a:rPr kumimoji="0" lang="en-US" altLang="ru-RU" sz="1400" b="0" i="0" u="none" strike="noStrike" cap="none" normalizeH="0" baseline="0" dirty="0">
+                <a:ln>
+                  <a:noFill/>
+                </a:ln>
+                <a:solidFill>
+                  <a:schemeClr val="tx2"/>
+                </a:solidFill>
+                <a:effectLst/>
+                <a:latin typeface="JetBrains Mono"/>
+              </a:rPr>
+              <a:t>()</a:t>
+            </a:r>
+          </a:p>
+          <a:p>
+            <a:pPr lvl="1">
+              <a:buFont typeface="Wingdings 3" panose="05040102010807070707" pitchFamily="18" charset="2"/>
+              <a:buChar char="U"/>
+            </a:pPr>
+            <a:r>
+              <a:rPr lang="en-US" altLang="ru-RU" sz="1400" dirty="0">
+                <a:solidFill>
+                  <a:schemeClr val="tx2"/>
+                </a:solidFill>
+                <a:latin typeface="JetBrains Mono"/>
+              </a:rPr>
+              <a:t>Register()</a:t>
+            </a:r>
+          </a:p>
+          <a:p>
+            <a:pPr lvl="1">
+              <a:buFont typeface="Wingdings 3" panose="05040102010807070707" pitchFamily="18" charset="2"/>
+              <a:buChar char="U"/>
+            </a:pPr>
+            <a:r>
+              <a:rPr kumimoji="0" lang="en-US" altLang="ru-RU" sz="1400" b="0" i="0" u="none" strike="noStrike" cap="none" normalizeH="0" baseline="0" dirty="0" err="1">
+                <a:ln>
+                  <a:noFill/>
+                </a:ln>
+                <a:solidFill>
+                  <a:schemeClr val="tx2"/>
+                </a:solidFill>
+                <a:effectLst/>
+                <a:latin typeface="JetBrains Mono"/>
+              </a:rPr>
+              <a:t>Newdet</a:t>
+            </a:r>
+            <a:r>
+              <a:rPr kumimoji="0" lang="en-US" altLang="ru-RU" sz="1400" b="0" i="0" u="none" strike="noStrike" cap="none" normalizeH="0" baseline="0" dirty="0">
+                <a:ln>
+                  <a:noFill/>
+                </a:ln>
+                <a:solidFill>
+                  <a:schemeClr val="tx2"/>
+                </a:solidFill>
+                <a:effectLst/>
+                <a:latin typeface="JetBrains Mono"/>
+              </a:rPr>
+              <a:t>()</a:t>
+            </a:r>
+          </a:p>
+          <a:p>
+            <a:pPr lvl="1">
+              <a:buFont typeface="Wingdings 3" panose="05040102010807070707" pitchFamily="18" charset="2"/>
+              <a:buChar char="U"/>
+            </a:pPr>
+            <a:r>
+              <a:rPr lang="en-US" altLang="ru-RU" sz="1400" dirty="0" err="1">
+                <a:solidFill>
+                  <a:schemeClr val="tx2"/>
+                </a:solidFill>
+                <a:latin typeface="JetBrains Mono"/>
+              </a:rPr>
+              <a:t>Addcard</a:t>
+            </a:r>
+            <a:r>
+              <a:rPr lang="en-US" altLang="ru-RU" sz="1400" dirty="0">
+                <a:solidFill>
+                  <a:schemeClr val="tx2"/>
+                </a:solidFill>
+                <a:latin typeface="JetBrains Mono"/>
+              </a:rPr>
+              <a:t>()</a:t>
+            </a:r>
+            <a:endParaRPr lang="ru-RU" altLang="ru-RU" sz="1400" dirty="0">
+              <a:solidFill>
+                <a:schemeClr val="tx2"/>
+              </a:solidFill>
+              <a:latin typeface="JetBrains Mono"/>
+            </a:endParaRPr>
+          </a:p>
+          <a:p>
+            <a:pPr lvl="1">
+              <a:buFont typeface="Wingdings 3" panose="05040102010807070707" pitchFamily="18" charset="2"/>
+              <a:buChar char="U"/>
+            </a:pPr>
+            <a:endParaRPr lang="ru-RU" dirty="0"/>
+          </a:p>
+          <a:p>
+            <a:pPr>
+              <a:buFont typeface="Wingdings 3" panose="05040102010807070707" pitchFamily="18" charset="2"/>
+              <a:buChar char="U"/>
+            </a:pPr>
+            <a:endParaRPr lang="ru-RU" dirty="0"/>
+          </a:p>
+          <a:p>
+            <a:pPr marL="457200" lvl="1" indent="0">
+              <a:buNone/>
+            </a:pPr>
+            <a:endParaRPr kumimoji="0" lang="ru-RU" altLang="ru-RU" sz="1800" b="0" i="0" u="none" strike="noStrike" cap="none" normalizeH="0" baseline="0" dirty="0">
+              <a:ln>
+                <a:noFill/>
+              </a:ln>
+              <a:solidFill>
+                <a:schemeClr val="tx2"/>
+              </a:solidFill>
+              <a:effectLst/>
+              <a:latin typeface="Arial" panose="020B0604020202020204" pitchFamily="34" charset="0"/>
+            </a:endParaRPr>
+          </a:p>
+          <a:p>
+            <a:pPr lvl="1">
+              <a:buFont typeface="Wingdings 3" panose="05040102010807070707" pitchFamily="18" charset="2"/>
+              <a:buChar char="U"/>
+            </a:pPr>
+            <a:endParaRPr lang="ru-RU" dirty="0"/>
+          </a:p>
+        </p:txBody>
+      </p:sp>
+      <p:sp>
+        <p:nvSpPr>
+          <p:cNvPr id="11" name="Объект 10">
+            <a:extLst>
+              <a:ext uri="{FF2B5EF4-FFF2-40B4-BE49-F238E27FC236}">
+                <a16:creationId xmlns:a16="http://schemas.microsoft.com/office/drawing/2014/main" id="{A01FAD0C-C189-583F-BAB8-18FEA5149592}"/>
+              </a:ext>
+            </a:extLst>
+          </p:cNvPr>
+          <p:cNvSpPr>
+            <a:spLocks noGrp="1"/>
+          </p:cNvSpPr>
+          <p:nvPr>
+            <p:ph sz="half" idx="2"/>
+          </p:nvPr>
+        </p:nvSpPr>
+        <p:spPr>
+          <a:xfrm>
+            <a:off x="3406999" y="332069"/>
+            <a:ext cx="2922780" cy="897488"/>
+          </a:xfrm>
+        </p:spPr>
+        <p:txBody>
+          <a:bodyPr/>
+          <a:lstStyle/>
+          <a:p>
+            <a:pPr>
+              <a:buFont typeface="Wingdings 3" panose="05040102010807070707" pitchFamily="18" charset="2"/>
+              <a:buChar char="U"/>
+            </a:pPr>
+            <a:r>
+              <a:rPr lang="ru-RU" dirty="0"/>
+              <a:t>Пример функции главной страницы</a:t>
+            </a:r>
+          </a:p>
+        </p:txBody>
+      </p:sp>
+      <p:pic>
+        <p:nvPicPr>
+          <p:cNvPr id="13" name="Рисунок 12">
+            <a:extLst>
+              <a:ext uri="{FF2B5EF4-FFF2-40B4-BE49-F238E27FC236}">
+                <a16:creationId xmlns:a16="http://schemas.microsoft.com/office/drawing/2014/main" id="{978EF79E-C872-6628-C290-B1D17E5D36EF}"/>
+              </a:ext>
+            </a:extLst>
+          </p:cNvPr>
+          <p:cNvPicPr>
+            <a:picLocks noChangeAspect="1"/>
+          </p:cNvPicPr>
+          <p:nvPr/>
+        </p:nvPicPr>
+        <p:blipFill>
+          <a:blip r:embed="rId2"/>
+          <a:stretch>
+            <a:fillRect/>
+          </a:stretch>
+        </p:blipFill>
+        <p:spPr>
+          <a:xfrm>
+            <a:off x="7054826" y="0"/>
+            <a:ext cx="5137174" cy="6858000"/>
+          </a:xfrm>
+          <a:prstGeom prst="rect">
+            <a:avLst/>
+          </a:prstGeom>
+        </p:spPr>
+      </p:pic>
+    </p:spTree>
+    <p:extLst>
+      <p:ext uri="{BB962C8B-B14F-4D97-AF65-F5344CB8AC3E}">
+        <p14:creationId xmlns:p14="http://schemas.microsoft.com/office/powerpoint/2010/main" val="1703223520"/>
+      </p:ext>
+    </p:extLst>
+  </p:cSld>
+  <p:clrMapOvr>
+    <a:masterClrMapping/>
+  </p:clrMapOvr>
+</p:sld>
+</file>
+
+<file path=ppt/slides/slide5.xml><?xml version="1.0" encoding="utf-8"?>
+<p:sld xmlns:a="http://schemas.openxmlformats.org/drawingml/2006/main" xmlns:r="http://schemas.openxmlformats.org/officeDocument/2006/relationships" xmlns:p="http://schemas.openxmlformats.org/presentationml/2006/main">
+  <p:cSld>
+    <p:spTree>
+      <p:nvGrpSpPr>
+        <p:cNvPr id="1" name=""/>
+        <p:cNvGrpSpPr/>
+        <p:nvPr/>
+      </p:nvGrpSpPr>
+      <p:grpSpPr>
+        <a:xfrm>
+          <a:off x="0" y="0"/>
+          <a:ext cx="0" cy="0"/>
+          <a:chOff x="0" y="0"/>
+          <a:chExt cx="0" cy="0"/>
+        </a:xfrm>
+      </p:grpSpPr>
+      <p:sp>
+        <p:nvSpPr>
+          <p:cNvPr id="2" name="Заголовок 1">
+            <a:extLst>
+              <a:ext uri="{FF2B5EF4-FFF2-40B4-BE49-F238E27FC236}">
                 <a16:creationId xmlns:a16="http://schemas.microsoft.com/office/drawing/2014/main" id="{6FCC22C8-C9E0-77C2-8082-4267571AA6ED}"/>
               </a:ext>
             </a:extLst>
@@ -6186,7 +6489,7 @@
           <a:p>
             <a:r>
               <a:rPr lang="ru-RU" dirty="0"/>
-              <a:t>Структура(классы)</a:t>
+              <a:t>Особенности</a:t>
             </a:r>
           </a:p>
         </p:txBody>
@@ -6207,38 +6510,86 @@
             <p:ph idx="1"/>
           </p:nvPr>
         </p:nvSpPr>
-        <p:spPr/>
+        <p:spPr>
+          <a:xfrm>
+            <a:off x="917031" y="3074989"/>
+            <a:ext cx="8596668" cy="3880773"/>
+          </a:xfrm>
+        </p:spPr>
         <p:txBody>
           <a:bodyPr/>
           <a:lstStyle/>
-          <a:p>
-            <a:pPr>
-              <a:buFont typeface="Wingdings 3" panose="05040102010807070707" pitchFamily="18" charset="2"/>
-              <a:buChar char="U"/>
-            </a:pPr>
-            <a:r>
-              <a:rPr lang="en-US" dirty="0"/>
-              <a:t>f</a:t>
-            </a:r>
-            <a:r>
-              <a:rPr lang="en-US"/>
-              <a:t>orms</a:t>
-            </a:r>
-            <a:endParaRPr lang="en-US" dirty="0"/>
-          </a:p>
           <a:p>
             <a:pPr lvl="1">
               <a:buFont typeface="Wingdings 3" panose="05040102010807070707" pitchFamily="18" charset="2"/>
               <a:buChar char="U"/>
             </a:pPr>
-            <a:endParaRPr lang="en-US" dirty="0"/>
+            <a:r>
+              <a:rPr lang="ru-RU" dirty="0"/>
+              <a:t>Использовались технологии:</a:t>
+            </a:r>
+          </a:p>
+          <a:p>
+            <a:pPr lvl="2">
+              <a:buFont typeface="Wingdings 3" panose="05040102010807070707" pitchFamily="18" charset="2"/>
+              <a:buChar char="U"/>
+            </a:pPr>
+            <a:r>
+              <a:rPr lang="en-US" dirty="0"/>
+              <a:t>Flask – </a:t>
+            </a:r>
+            <a:r>
+              <a:rPr lang="ru-RU" dirty="0"/>
+              <a:t>модуль для создания</a:t>
+            </a:r>
+            <a:r>
+              <a:rPr lang="en-US" dirty="0"/>
+              <a:t> </a:t>
+            </a:r>
+            <a:r>
+              <a:rPr lang="ru-RU" dirty="0"/>
+              <a:t>сайтов</a:t>
+            </a:r>
           </a:p>
           <a:p>
             <a:pPr lvl="1">
               <a:buFont typeface="Wingdings 3" panose="05040102010807070707" pitchFamily="18" charset="2"/>
               <a:buChar char="U"/>
             </a:pPr>
-            <a:endParaRPr lang="en-US" dirty="0"/>
+            <a:r>
+              <a:rPr lang="ru-RU" dirty="0"/>
+              <a:t>Особенности:</a:t>
+            </a:r>
+          </a:p>
+          <a:p>
+            <a:pPr lvl="2">
+              <a:buFont typeface="Wingdings 3" panose="05040102010807070707" pitchFamily="18" charset="2"/>
+              <a:buChar char="U"/>
+            </a:pPr>
+            <a:r>
+              <a:rPr lang="ru-RU" dirty="0"/>
+              <a:t>Отправка писем на почту</a:t>
+            </a:r>
+          </a:p>
+          <a:p>
+            <a:pPr lvl="2">
+              <a:buFont typeface="Wingdings 3" panose="05040102010807070707" pitchFamily="18" charset="2"/>
+              <a:buChar char="U"/>
+            </a:pPr>
+            <a:r>
+              <a:rPr lang="ru-RU" dirty="0"/>
+              <a:t>Восстановление пароля</a:t>
+            </a:r>
+          </a:p>
+          <a:p>
+            <a:pPr lvl="2">
+              <a:buFont typeface="Wingdings 3" panose="05040102010807070707" pitchFamily="18" charset="2"/>
+              <a:buChar char="U"/>
+            </a:pPr>
+            <a:r>
+              <a:rPr lang="ru-RU" dirty="0"/>
+              <a:t>Добавление и удаление продуктов</a:t>
+            </a:r>
           </a:p>
         </p:txBody>
       </p:sp>
@@ -6246,6 +6597,113 @@
     <p:extLst>
       <p:ext uri="{BB962C8B-B14F-4D97-AF65-F5344CB8AC3E}">
         <p14:creationId xmlns:p14="http://schemas.microsoft.com/office/powerpoint/2010/main" val="1590447604"/>
+      </p:ext>
+    </p:extLst>
+  </p:cSld>
+  <p:clrMapOvr>
+    <a:masterClrMapping/>
+  </p:clrMapOvr>
+</p:sld>
+</file>
+
+<file path=ppt/slides/slide6.xml><?xml version="1.0" encoding="utf-8"?>
+<p:sld xmlns:a="http://schemas.openxmlformats.org/drawingml/2006/main" xmlns:r="http://schemas.openxmlformats.org/officeDocument/2006/relationships" xmlns:p="http://schemas.openxmlformats.org/presentationml/2006/main">
+  <p:cSld>
+    <p:spTree>
+      <p:nvGrpSpPr>
+        <p:cNvPr id="1" name=""/>
+        <p:cNvGrpSpPr/>
+        <p:nvPr/>
+      </p:nvGrpSpPr>
+      <p:grpSpPr>
+        <a:xfrm>
+          <a:off x="0" y="0"/>
+          <a:ext cx="0" cy="0"/>
+          <a:chOff x="0" y="0"/>
+          <a:chExt cx="0" cy="0"/>
+        </a:xfrm>
+      </p:grpSpPr>
+      <p:sp>
+        <p:nvSpPr>
+          <p:cNvPr id="2" name="Заголовок 1">
+            <a:extLst>
+              <a:ext uri="{FF2B5EF4-FFF2-40B4-BE49-F238E27FC236}">
+                <a16:creationId xmlns:a16="http://schemas.microsoft.com/office/drawing/2014/main" id="{8E31B722-6877-35D6-5043-9159DFADD2F1}"/>
+              </a:ext>
+            </a:extLst>
+          </p:cNvPr>
+          <p:cNvSpPr>
+            <a:spLocks noGrp="1"/>
+          </p:cNvSpPr>
+          <p:nvPr>
+            <p:ph type="title"/>
+          </p:nvPr>
+        </p:nvSpPr>
+        <p:spPr/>
+        <p:txBody>
+          <a:bodyPr/>
+          <a:lstStyle/>
+          <a:p>
+            <a:r>
+              <a:rPr lang="ru-RU" dirty="0"/>
+              <a:t>Заключение</a:t>
+            </a:r>
+          </a:p>
+        </p:txBody>
+      </p:sp>
+      <p:sp>
+        <p:nvSpPr>
+          <p:cNvPr id="3" name="Объект 2">
+            <a:extLst>
+              <a:ext uri="{FF2B5EF4-FFF2-40B4-BE49-F238E27FC236}">
+                <a16:creationId xmlns:a16="http://schemas.microsoft.com/office/drawing/2014/main" id="{EF583EEB-54AE-56D0-6948-92A0ADAD013F}"/>
+              </a:ext>
+            </a:extLst>
+          </p:cNvPr>
+          <p:cNvSpPr>
+            <a:spLocks noGrp="1"/>
+          </p:cNvSpPr>
+          <p:nvPr>
+            <p:ph idx="1"/>
+          </p:nvPr>
+        </p:nvSpPr>
+        <p:spPr/>
+        <p:txBody>
+          <a:bodyPr/>
+          <a:lstStyle/>
+          <a:p>
+            <a:r>
+              <a:rPr lang="ru-RU" dirty="0"/>
+              <a:t>Программа не исключает возможности для доработки и развития:</a:t>
+            </a:r>
+          </a:p>
+          <a:p>
+            <a:pPr lvl="1"/>
+            <a:r>
+              <a:rPr lang="ru-RU" dirty="0"/>
+              <a:t>Создание оплаты</a:t>
+            </a:r>
+          </a:p>
+          <a:p>
+            <a:pPr lvl="1"/>
+            <a:r>
+              <a:rPr lang="ru-RU" dirty="0"/>
+              <a:t>Создания вкладки контакты</a:t>
+            </a:r>
+          </a:p>
+          <a:p>
+            <a:pPr lvl="1"/>
+            <a:r>
+              <a:rPr lang="ru-RU" dirty="0"/>
+              <a:t>Создание возможности изменять, удалять прочие аккаунты(с администраторского аккаунта)</a:t>
+            </a:r>
+          </a:p>
+        </p:txBody>
+      </p:sp>
+    </p:spTree>
+    <p:extLst>
+      <p:ext uri="{BB962C8B-B14F-4D97-AF65-F5344CB8AC3E}">
+        <p14:creationId xmlns:p14="http://schemas.microsoft.com/office/powerpoint/2010/main" val="4003972243"/>
       </p:ext>
     </p:extLst>
   </p:cSld>
@@ -6506,7 +6964,7 @@
   <a:extraClrSchemeLst/>
   <a:extLst>
     <a:ext uri="{05A4C25C-085E-4340-85A3-A5531E510DB2}">
-      <thm15:themeFamily xmlns:thm15="http://schemas.microsoft.com/office/thememl/2012/main" name="Facet" id="{C0C680CD-088A-49FC-A102-D699147F32B2}" vid="{CFBC31BA-B70F-4F30-BCAA-4F3011E16C4D}"/>
+      <thm15:themeFamily xmlns:thm15="http://schemas.microsoft.com/office/thememl/2012/main" name="Facet" id="{C0C680CD-088A-49FC-A102-D699147F32B2}" vid="{8C59B386-999D-4CB6-B907-9F3997C027CC}"/>
     </a:ext>
   </a:extLst>
 </a:theme>
